--- a/Sesión_0/Tipos de datos.pptx
+++ b/Sesión_0/Tipos de datos.pptx
@@ -12,7 +12,7 @@
   </p:handoutMasterIdLst>
   <p:sldIdLst>
     <p:sldId id="282" r:id="rId5"/>
-    <p:sldId id="283" r:id="rId6"/>
+    <p:sldId id="280" r:id="rId6"/>
     <p:sldId id="257" r:id="rId7"/>
     <p:sldId id="281" r:id="rId8"/>
   </p:sldIdLst>
@@ -119,7 +119,7 @@
         <p14:section name="Sección predeterminada" id="{B3080F47-54FE-4674-8A61-9F6C6D97AC09}">
           <p14:sldIdLst>
             <p14:sldId id="282"/>
-            <p14:sldId id="283"/>
+            <p14:sldId id="280"/>
             <p14:sldId id="257"/>
             <p14:sldId id="281"/>
           </p14:sldIdLst>
@@ -161,7 +161,7 @@
 <file path=ppt/revisionInfo.xml><?xml version="1.0" encoding="utf-8"?>
 <p1510:revInfo xmlns:a="http://schemas.openxmlformats.org/drawingml/2006/main" xmlns:r="http://schemas.openxmlformats.org/officeDocument/2006/relationships" xmlns:p1510="http://schemas.microsoft.com/office/powerpoint/2015/10/main">
   <p1510:revLst>
-    <p1510:client id="{D38D3F9C-6C8B-4478-88C1-06324AB913E6}" v="7" dt="2025-02-04T16:24:47.003"/>
+    <p1510:client id="{D38D3F9C-6C8B-4478-88C1-06324AB913E6}" v="8" dt="2025-02-05T17:54:43.957"/>
   </p1510:revLst>
 </p1510:revInfo>
 </file>
@@ -301,7 +301,7 @@
   <pc:docChgLst>
     <pc:chgData name="JHEYSON FABIAN VILLAVISAN BUITRAGO" userId="e5ced5c2-d787-455d-b115-4f08a699b8c8" providerId="ADAL" clId="{D38D3F9C-6C8B-4478-88C1-06324AB913E6}"/>
     <pc:docChg chg="custSel addSld delSld modSld modSection">
-      <pc:chgData name="JHEYSON FABIAN VILLAVISAN BUITRAGO" userId="e5ced5c2-d787-455d-b115-4f08a699b8c8" providerId="ADAL" clId="{D38D3F9C-6C8B-4478-88C1-06324AB913E6}" dt="2025-02-04T16:25:42.010" v="70" actId="20577"/>
+      <pc:chgData name="JHEYSON FABIAN VILLAVISAN BUITRAGO" userId="e5ced5c2-d787-455d-b115-4f08a699b8c8" providerId="ADAL" clId="{D38D3F9C-6C8B-4478-88C1-06324AB913E6}" dt="2025-02-05T17:54:43.956" v="72"/>
       <pc:docMkLst>
         <pc:docMk/>
       </pc:docMkLst>
@@ -351,8 +351,8 @@
           </ac:graphicFrameMkLst>
         </pc:graphicFrameChg>
       </pc:sldChg>
-      <pc:sldChg chg="del">
-        <pc:chgData name="JHEYSON FABIAN VILLAVISAN BUITRAGO" userId="e5ced5c2-d787-455d-b115-4f08a699b8c8" providerId="ADAL" clId="{D38D3F9C-6C8B-4478-88C1-06324AB913E6}" dt="2025-02-04T16:22:41.224" v="5" actId="47"/>
+      <pc:sldChg chg="add del">
+        <pc:chgData name="JHEYSON FABIAN VILLAVISAN BUITRAGO" userId="e5ced5c2-d787-455d-b115-4f08a699b8c8" providerId="ADAL" clId="{D38D3F9C-6C8B-4478-88C1-06324AB913E6}" dt="2025-02-05T17:54:43.956" v="72"/>
         <pc:sldMkLst>
           <pc:docMk/>
           <pc:sldMk cId="2965408220" sldId="280"/>
@@ -396,8 +396,8 @@
           <pc:sldMk cId="0" sldId="282"/>
         </pc:sldMkLst>
       </pc:sldChg>
-      <pc:sldChg chg="add">
-        <pc:chgData name="JHEYSON FABIAN VILLAVISAN BUITRAGO" userId="e5ced5c2-d787-455d-b115-4f08a699b8c8" providerId="ADAL" clId="{D38D3F9C-6C8B-4478-88C1-06324AB913E6}" dt="2025-02-04T16:22:37.949" v="4"/>
+      <pc:sldChg chg="add del">
+        <pc:chgData name="JHEYSON FABIAN VILLAVISAN BUITRAGO" userId="e5ced5c2-d787-455d-b115-4f08a699b8c8" providerId="ADAL" clId="{D38D3F9C-6C8B-4478-88C1-06324AB913E6}" dt="2025-02-05T17:54:41.683" v="71" actId="47"/>
         <pc:sldMkLst>
           <pc:docMk/>
           <pc:sldMk cId="1898015400" sldId="283"/>
@@ -546,14 +546,6 @@
           <pc:docMk/>
           <pc:sldMk cId="2965408220" sldId="280"/>
         </pc:sldMkLst>
-        <pc:graphicFrameChg chg="add mod">
-          <ac:chgData name="JHEYSON FABIAN VILLAVISAN BUITRAGO" userId="e5ced5c2-d787-455d-b115-4f08a699b8c8" providerId="ADAL" clId="{36919DFC-0E8A-4610-A7CE-1DFA52C1C2D8}" dt="2025-01-17T17:01:05.301" v="1"/>
-          <ac:graphicFrameMkLst>
-            <pc:docMk/>
-            <pc:sldMk cId="2965408220" sldId="280"/>
-            <ac:graphicFrameMk id="2" creationId="{0D183192-51CA-8722-2013-AF1234D1EA2A}"/>
-          </ac:graphicFrameMkLst>
-        </pc:graphicFrameChg>
       </pc:sldChg>
       <pc:sldChg chg="modSp mod">
         <pc:chgData name="JHEYSON FABIAN VILLAVISAN BUITRAGO" userId="e5ced5c2-d787-455d-b115-4f08a699b8c8" providerId="ADAL" clId="{36919DFC-0E8A-4610-A7CE-1DFA52C1C2D8}" dt="2025-01-20T14:55:19.592" v="24" actId="20577"/>
@@ -561,14 +553,6 @@
           <pc:docMk/>
           <pc:sldMk cId="1483565277" sldId="281"/>
         </pc:sldMkLst>
-        <pc:spChg chg="mod">
-          <ac:chgData name="JHEYSON FABIAN VILLAVISAN BUITRAGO" userId="e5ced5c2-d787-455d-b115-4f08a699b8c8" providerId="ADAL" clId="{36919DFC-0E8A-4610-A7CE-1DFA52C1C2D8}" dt="2025-01-20T14:46:58.144" v="22" actId="20577"/>
-          <ac:spMkLst>
-            <pc:docMk/>
-            <pc:sldMk cId="1483565277" sldId="281"/>
-            <ac:spMk id="2" creationId="{38B9E9CE-04E3-DE93-A00D-DDBB5875BE46}"/>
-          </ac:spMkLst>
-        </pc:spChg>
         <pc:spChg chg="mod">
           <ac:chgData name="JHEYSON FABIAN VILLAVISAN BUITRAGO" userId="e5ced5c2-d787-455d-b115-4f08a699b8c8" providerId="ADAL" clId="{36919DFC-0E8A-4610-A7CE-1DFA52C1C2D8}" dt="2025-01-20T14:55:19.592" v="24" actId="20577"/>
           <ac:spMkLst>
@@ -1168,7 +1152,7 @@
               <a:pPr>
                 <a:defRPr/>
               </a:pPr>
-              <a:t>4/02/2025</a:t>
+              <a:t>5/02/2025</a:t>
             </a:fld>
             <a:endParaRPr lang="es-CO"/>
           </a:p>
@@ -1411,7 +1395,7 @@
               <a:pPr>
                 <a:defRPr/>
               </a:pPr>
-              <a:t>4/02/2025</a:t>
+              <a:t>5/02/2025</a:t>
             </a:fld>
             <a:endParaRPr lang="es-CO"/>
           </a:p>
@@ -3081,7 +3065,7 @@
           <a:p>
             <a:fld id="{9CF7635E-2D71-42E7-9E6C-FBB85A15A85F}" type="datetimeFigureOut">
               <a:rPr lang="es-CO" smtClean="0"/>
-              <a:t>4/02/2025</a:t>
+              <a:t>5/02/2025</a:t>
             </a:fld>
             <a:endParaRPr lang="es-CO"/>
           </a:p>
@@ -3347,7 +3331,7 @@
           <a:p>
             <a:fld id="{9CF7635E-2D71-42E7-9E6C-FBB85A15A85F}" type="datetimeFigureOut">
               <a:rPr lang="es-CO" smtClean="0"/>
-              <a:t>4/02/2025</a:t>
+              <a:t>5/02/2025</a:t>
             </a:fld>
             <a:endParaRPr lang="es-CO"/>
           </a:p>
@@ -3563,7 +3547,7 @@
           <a:p>
             <a:fld id="{9CF7635E-2D71-42E7-9E6C-FBB85A15A85F}" type="datetimeFigureOut">
               <a:rPr lang="es-CO" smtClean="0"/>
-              <a:t>4/02/2025</a:t>
+              <a:t>5/02/2025</a:t>
             </a:fld>
             <a:endParaRPr lang="es-CO"/>
           </a:p>
@@ -5192,7 +5176,7 @@
           <a:p>
             <a:fld id="{9CF7635E-2D71-42E7-9E6C-FBB85A15A85F}" type="datetimeFigureOut">
               <a:rPr lang="es-CO" smtClean="0"/>
-              <a:t>4/02/2025</a:t>
+              <a:t>5/02/2025</a:t>
             </a:fld>
             <a:endParaRPr lang="es-CO"/>
           </a:p>
@@ -5639,7 +5623,7 @@
           <a:p>
             <a:fld id="{9CF7635E-2D71-42E7-9E6C-FBB85A15A85F}" type="datetimeFigureOut">
               <a:rPr lang="es-CO" smtClean="0"/>
-              <a:t>4/02/2025</a:t>
+              <a:t>5/02/2025</a:t>
             </a:fld>
             <a:endParaRPr lang="es-CO"/>
           </a:p>
@@ -5913,7 +5897,7 @@
           <a:p>
             <a:fld id="{9CF7635E-2D71-42E7-9E6C-FBB85A15A85F}" type="datetimeFigureOut">
               <a:rPr lang="es-CO" smtClean="0"/>
-              <a:t>4/02/2025</a:t>
+              <a:t>5/02/2025</a:t>
             </a:fld>
             <a:endParaRPr lang="es-CO"/>
           </a:p>
@@ -6334,7 +6318,7 @@
           <a:p>
             <a:fld id="{9CF7635E-2D71-42E7-9E6C-FBB85A15A85F}" type="datetimeFigureOut">
               <a:rPr lang="es-CO" smtClean="0"/>
-              <a:t>4/02/2025</a:t>
+              <a:t>5/02/2025</a:t>
             </a:fld>
             <a:endParaRPr lang="es-CO"/>
           </a:p>
@@ -6482,7 +6466,7 @@
           <a:p>
             <a:fld id="{9CF7635E-2D71-42E7-9E6C-FBB85A15A85F}" type="datetimeFigureOut">
               <a:rPr lang="es-CO" smtClean="0"/>
-              <a:t>4/02/2025</a:t>
+              <a:t>5/02/2025</a:t>
             </a:fld>
             <a:endParaRPr lang="es-CO"/>
           </a:p>
@@ -6601,7 +6585,7 @@
           <a:p>
             <a:fld id="{9CF7635E-2D71-42E7-9E6C-FBB85A15A85F}" type="datetimeFigureOut">
               <a:rPr lang="es-CO" smtClean="0"/>
-              <a:t>4/02/2025</a:t>
+              <a:t>5/02/2025</a:t>
             </a:fld>
             <a:endParaRPr lang="es-CO"/>
           </a:p>
@@ -6920,7 +6904,7 @@
           <a:p>
             <a:fld id="{9CF7635E-2D71-42E7-9E6C-FBB85A15A85F}" type="datetimeFigureOut">
               <a:rPr lang="es-CO" smtClean="0"/>
-              <a:t>4/02/2025</a:t>
+              <a:t>5/02/2025</a:t>
             </a:fld>
             <a:endParaRPr lang="es-CO"/>
           </a:p>
@@ -7215,7 +7199,7 @@
           <a:p>
             <a:fld id="{9CF7635E-2D71-42E7-9E6C-FBB85A15A85F}" type="datetimeFigureOut">
               <a:rPr lang="es-CO" smtClean="0"/>
-              <a:t>4/02/2025</a:t>
+              <a:t>5/02/2025</a:t>
             </a:fld>
             <a:endParaRPr lang="es-CO"/>
           </a:p>
@@ -7464,7 +7448,7 @@
           <a:p>
             <a:fld id="{9CF7635E-2D71-42E7-9E6C-FBB85A15A85F}" type="datetimeFigureOut">
               <a:rPr lang="es-CO" smtClean="0"/>
-              <a:t>4/02/2025</a:t>
+              <a:t>5/02/2025</a:t>
             </a:fld>
             <a:endParaRPr lang="es-CO"/>
           </a:p>
@@ -9094,7 +9078,7 @@
         </p:nvGraphicFramePr>
         <p:xfrm>
           <a:off x="863588" y="620688"/>
-          <a:ext cx="7416824" cy="5356828"/>
+          <a:ext cx="7416824" cy="5483937"/>
         </p:xfrm>
         <a:graphic>
           <a:graphicData uri="http://schemas.openxmlformats.org/drawingml/2006/table">
@@ -9703,20 +9687,27 @@
                     <a:bodyPr/>
                     <a:lstStyle/>
                     <a:p>
-                      <a:pPr algn="ctr"/>
-                      <a:r>
-                        <a:rPr lang="es-CO" sz="1000" dirty="0" err="1"/>
-                        <a:t>PSoC</a:t>
-                      </a:r>
+                      <a:pPr marL="0" marR="0" lvl="0" indent="0" algn="ctr" defTabSz="685800" rtl="0" eaLnBrk="1" fontAlgn="auto" latinLnBrk="0" hangingPunct="1">
+                        <a:lnSpc>
+                          <a:spcPct val="100000"/>
+                        </a:lnSpc>
+                        <a:spcBef>
+                          <a:spcPts val="0"/>
+                        </a:spcBef>
+                        <a:spcAft>
+                          <a:spcPts val="0"/>
+                        </a:spcAft>
+                        <a:buClrTx/>
+                        <a:buSzTx/>
+                        <a:buFontTx/>
+                        <a:buNone/>
+                        <a:tabLst/>
+                        <a:defRPr/>
+                      </a:pPr>
                       <a:r>
                         <a:rPr lang="es-CO" sz="1000" dirty="0"/>
-                        <a:t> </a:t>
+                        <a:t>Laboratorio</a:t>
                       </a:r>
-                      <a:r>
-                        <a:rPr lang="es-CO" sz="1000"/>
-                        <a:t>Creator</a:t>
-                      </a:r>
-                      <a:endParaRPr lang="es-CO" sz="1000" dirty="0"/>
                     </a:p>
                   </a:txBody>
                   <a:tcPr>
@@ -9878,6 +9869,54 @@
                   <a:txBody>
                     <a:bodyPr/>
                     <a:lstStyle/>
+                    <a:p>
+                      <a:pPr marL="0" marR="0" lvl="0" indent="0" algn="ctr" defTabSz="685800" rtl="0" eaLnBrk="1" fontAlgn="auto" latinLnBrk="0" hangingPunct="1">
+                        <a:lnSpc>
+                          <a:spcPct val="100000"/>
+                        </a:lnSpc>
+                        <a:spcBef>
+                          <a:spcPts val="0"/>
+                        </a:spcBef>
+                        <a:spcAft>
+                          <a:spcPts val="0"/>
+                        </a:spcAft>
+                        <a:buClrTx/>
+                        <a:buSzTx/>
+                        <a:buFontTx/>
+                        <a:buNone/>
+                        <a:tabLst/>
+                        <a:defRPr/>
+                      </a:pPr>
+                      <a:r>
+                        <a:rPr lang="es-CO" sz="1000" dirty="0" err="1">
+                          <a:highlight>
+                            <a:srgbClr val="00FFFF"/>
+                          </a:highlight>
+                        </a:rPr>
+                        <a:t>PSoC</a:t>
+                      </a:r>
+                      <a:r>
+                        <a:rPr lang="es-CO" sz="1000" dirty="0">
+                          <a:highlight>
+                            <a:srgbClr val="00FFFF"/>
+                          </a:highlight>
+                        </a:rPr>
+                        <a:t> </a:t>
+                      </a:r>
+                      <a:r>
+                        <a:rPr lang="es-CO" sz="1000" dirty="0" err="1">
+                          <a:highlight>
+                            <a:srgbClr val="00FFFF"/>
+                          </a:highlight>
+                        </a:rPr>
+                        <a:t>Creator</a:t>
+                      </a:r>
+                      <a:endParaRPr lang="es-CO" sz="1000" dirty="0">
+                        <a:highlight>
+                          <a:srgbClr val="00FFFF"/>
+                        </a:highlight>
+                      </a:endParaRPr>
+                    </a:p>
                     <a:p>
                       <a:pPr algn="ctr"/>
                       <a:r>
@@ -12644,7 +12683,7 @@
     </p:spTree>
     <p:extLst>
       <p:ext uri="{BB962C8B-B14F-4D97-AF65-F5344CB8AC3E}">
-        <p14:creationId xmlns:p14="http://schemas.microsoft.com/office/powerpoint/2010/main" val="1898015400"/>
+        <p14:creationId xmlns:p14="http://schemas.microsoft.com/office/powerpoint/2010/main" val="2965408220"/>
       </p:ext>
     </p:extLst>
   </p:cSld>
@@ -15013,12 +15052,11 @@
 </file>
 
 <file path=customXml/item1.xml><?xml version="1.0" encoding="utf-8"?>
-<?mso-contentType ?>
-<FormTemplates xmlns="http://schemas.microsoft.com/sharepoint/v3/contenttype/forms">
-  <Display>DocumentLibraryForm</Display>
-  <Edit>DocumentLibraryForm</Edit>
-  <New>DocumentLibraryForm</New>
-</FormTemplates>
+<p:properties xmlns:p="http://schemas.microsoft.com/office/2006/metadata/properties" xmlns:xsi="http://www.w3.org/2001/XMLSchema-instance" xmlns:pc="http://schemas.microsoft.com/office/infopath/2007/PartnerControls">
+  <documentManagement>
+    <_activity xmlns="bdc56f61-abc0-4f7e-bfec-a93ccd1ae886" xsi:nil="true"/>
+  </documentManagement>
+</p:properties>
 </file>
 
 <file path=customXml/item2.xml><?xml version="1.0" encoding="utf-8"?>
@@ -15257,17 +15295,27 @@
 </file>
 
 <file path=customXml/item3.xml><?xml version="1.0" encoding="utf-8"?>
-<p:properties xmlns:p="http://schemas.microsoft.com/office/2006/metadata/properties" xmlns:xsi="http://www.w3.org/2001/XMLSchema-instance" xmlns:pc="http://schemas.microsoft.com/office/infopath/2007/PartnerControls">
-  <documentManagement>
-    <_activity xmlns="bdc56f61-abc0-4f7e-bfec-a93ccd1ae886" xsi:nil="true"/>
-  </documentManagement>
-</p:properties>
+<?mso-contentType ?>
+<FormTemplates xmlns="http://schemas.microsoft.com/sharepoint/v3/contenttype/forms">
+  <Display>DocumentLibraryForm</Display>
+  <Edit>DocumentLibraryForm</Edit>
+  <New>DocumentLibraryForm</New>
+</FormTemplates>
 </file>
 
 <file path=customXml/itemProps1.xml><?xml version="1.0" encoding="utf-8"?>
-<ds:datastoreItem xmlns:ds="http://schemas.openxmlformats.org/officeDocument/2006/customXml" ds:itemID="{4E8623C8-32E1-48B0-9F0A-13F2E9582B7E}">
+<ds:datastoreItem xmlns:ds="http://schemas.openxmlformats.org/officeDocument/2006/customXml" ds:itemID="{0825853C-1B27-4995-A583-4D39F900BB7F}">
   <ds:schemaRefs>
-    <ds:schemaRef ds:uri="http://schemas.microsoft.com/sharepoint/v3/contenttype/forms"/>
+    <ds:schemaRef ds:uri="http://schemas.microsoft.com/office/2006/documentManagement/types"/>
+    <ds:schemaRef ds:uri="http://purl.org/dc/dcmitype/"/>
+    <ds:schemaRef ds:uri="http://schemas.openxmlformats.org/package/2006/metadata/core-properties"/>
+    <ds:schemaRef ds:uri="669280c1-d17e-4d1d-bd7f-b4f14cc6bf1d"/>
+    <ds:schemaRef ds:uri="http://purl.org/dc/elements/1.1/"/>
+    <ds:schemaRef ds:uri="http://purl.org/dc/terms/"/>
+    <ds:schemaRef ds:uri="http://schemas.microsoft.com/office/infopath/2007/PartnerControls"/>
+    <ds:schemaRef ds:uri="bdc56f61-abc0-4f7e-bfec-a93ccd1ae886"/>
+    <ds:schemaRef ds:uri="http://schemas.microsoft.com/office/2006/metadata/properties"/>
+    <ds:schemaRef ds:uri="http://www.w3.org/XML/1998/namespace"/>
   </ds:schemaRefs>
 </ds:datastoreItem>
 </file>
@@ -15292,18 +15340,9 @@
 </file>
 
 <file path=customXml/itemProps3.xml><?xml version="1.0" encoding="utf-8"?>
-<ds:datastoreItem xmlns:ds="http://schemas.openxmlformats.org/officeDocument/2006/customXml" ds:itemID="{0825853C-1B27-4995-A583-4D39F900BB7F}">
+<ds:datastoreItem xmlns:ds="http://schemas.openxmlformats.org/officeDocument/2006/customXml" ds:itemID="{4E8623C8-32E1-48B0-9F0A-13F2E9582B7E}">
   <ds:schemaRefs>
-    <ds:schemaRef ds:uri="http://schemas.microsoft.com/office/2006/documentManagement/types"/>
-    <ds:schemaRef ds:uri="http://purl.org/dc/dcmitype/"/>
-    <ds:schemaRef ds:uri="http://schemas.openxmlformats.org/package/2006/metadata/core-properties"/>
-    <ds:schemaRef ds:uri="669280c1-d17e-4d1d-bd7f-b4f14cc6bf1d"/>
-    <ds:schemaRef ds:uri="http://purl.org/dc/elements/1.1/"/>
-    <ds:schemaRef ds:uri="http://purl.org/dc/terms/"/>
-    <ds:schemaRef ds:uri="http://schemas.microsoft.com/office/infopath/2007/PartnerControls"/>
-    <ds:schemaRef ds:uri="bdc56f61-abc0-4f7e-bfec-a93ccd1ae886"/>
-    <ds:schemaRef ds:uri="http://schemas.microsoft.com/office/2006/metadata/properties"/>
-    <ds:schemaRef ds:uri="http://www.w3.org/XML/1998/namespace"/>
+    <ds:schemaRef ds:uri="http://schemas.microsoft.com/sharepoint/v3/contenttype/forms"/>
   </ds:schemaRefs>
 </ds:datastoreItem>
 </file>
--- a/Sesión_0/Tipos de datos.pptx
+++ b/Sesión_0/Tipos de datos.pptx
@@ -12,7 +12,7 @@
   </p:handoutMasterIdLst>
   <p:sldIdLst>
     <p:sldId id="282" r:id="rId5"/>
-    <p:sldId id="280" r:id="rId6"/>
+    <p:sldId id="283" r:id="rId6"/>
     <p:sldId id="257" r:id="rId7"/>
     <p:sldId id="281" r:id="rId8"/>
   </p:sldIdLst>
@@ -119,7 +119,7 @@
         <p14:section name="Sección predeterminada" id="{B3080F47-54FE-4674-8A61-9F6C6D97AC09}">
           <p14:sldIdLst>
             <p14:sldId id="282"/>
-            <p14:sldId id="280"/>
+            <p14:sldId id="283"/>
             <p14:sldId id="257"/>
             <p14:sldId id="281"/>
           </p14:sldIdLst>
@@ -161,7 +161,7 @@
 <file path=ppt/revisionInfo.xml><?xml version="1.0" encoding="utf-8"?>
 <p1510:revInfo xmlns:a="http://schemas.openxmlformats.org/drawingml/2006/main" xmlns:r="http://schemas.openxmlformats.org/officeDocument/2006/relationships" xmlns:p1510="http://schemas.microsoft.com/office/powerpoint/2015/10/main">
   <p1510:revLst>
-    <p1510:client id="{D38D3F9C-6C8B-4478-88C1-06324AB913E6}" v="8" dt="2025-02-05T17:54:43.957"/>
+    <p1510:client id="{D38D3F9C-6C8B-4478-88C1-06324AB913E6}" v="9" dt="2025-02-06T17:46:55.505"/>
   </p1510:revLst>
 </p1510:revInfo>
 </file>
@@ -301,7 +301,7 @@
   <pc:docChgLst>
     <pc:chgData name="JHEYSON FABIAN VILLAVISAN BUITRAGO" userId="e5ced5c2-d787-455d-b115-4f08a699b8c8" providerId="ADAL" clId="{D38D3F9C-6C8B-4478-88C1-06324AB913E6}"/>
     <pc:docChg chg="custSel addSld delSld modSld modSection">
-      <pc:chgData name="JHEYSON FABIAN VILLAVISAN BUITRAGO" userId="e5ced5c2-d787-455d-b115-4f08a699b8c8" providerId="ADAL" clId="{D38D3F9C-6C8B-4478-88C1-06324AB913E6}" dt="2025-02-05T17:54:43.956" v="72"/>
+      <pc:chgData name="JHEYSON FABIAN VILLAVISAN BUITRAGO" userId="e5ced5c2-d787-455d-b115-4f08a699b8c8" providerId="ADAL" clId="{D38D3F9C-6C8B-4478-88C1-06324AB913E6}" dt="2025-02-06T17:47:00.478" v="75" actId="20577"/>
       <pc:docMkLst>
         <pc:docMk/>
       </pc:docMkLst>
@@ -311,22 +311,6 @@
           <pc:docMk/>
           <pc:sldMk cId="0" sldId="256"/>
         </pc:sldMkLst>
-        <pc:spChg chg="del">
-          <ac:chgData name="JHEYSON FABIAN VILLAVISAN BUITRAGO" userId="e5ced5c2-d787-455d-b115-4f08a699b8c8" providerId="ADAL" clId="{D38D3F9C-6C8B-4478-88C1-06324AB913E6}" dt="2025-02-04T16:22:23.082" v="1" actId="478"/>
-          <ac:spMkLst>
-            <pc:docMk/>
-            <pc:sldMk cId="0" sldId="256"/>
-            <ac:spMk id="2" creationId="{CD18F590-EE47-2020-A55D-D7EEE2DEE0C1}"/>
-          </ac:spMkLst>
-        </pc:spChg>
-        <pc:picChg chg="del">
-          <ac:chgData name="JHEYSON FABIAN VILLAVISAN BUITRAGO" userId="e5ced5c2-d787-455d-b115-4f08a699b8c8" providerId="ADAL" clId="{D38D3F9C-6C8B-4478-88C1-06324AB913E6}" dt="2025-02-04T16:22:21.453" v="0" actId="478"/>
-          <ac:picMkLst>
-            <pc:docMk/>
-            <pc:sldMk cId="0" sldId="256"/>
-            <ac:picMk id="5" creationId="{30AAF1E8-CD59-F2D5-AB39-8812203DA2BD}"/>
-          </ac:picMkLst>
-        </pc:picChg>
       </pc:sldChg>
       <pc:sldChg chg="modSp mod">
         <pc:chgData name="JHEYSON FABIAN VILLAVISAN BUITRAGO" userId="e5ced5c2-d787-455d-b115-4f08a699b8c8" providerId="ADAL" clId="{D38D3F9C-6C8B-4478-88C1-06324AB913E6}" dt="2025-02-04T16:25:42.010" v="70" actId="20577"/>
@@ -352,7 +336,7 @@
         </pc:graphicFrameChg>
       </pc:sldChg>
       <pc:sldChg chg="add del">
-        <pc:chgData name="JHEYSON FABIAN VILLAVISAN BUITRAGO" userId="e5ced5c2-d787-455d-b115-4f08a699b8c8" providerId="ADAL" clId="{D38D3F9C-6C8B-4478-88C1-06324AB913E6}" dt="2025-02-05T17:54:43.956" v="72"/>
+        <pc:chgData name="JHEYSON FABIAN VILLAVISAN BUITRAGO" userId="e5ced5c2-d787-455d-b115-4f08a699b8c8" providerId="ADAL" clId="{D38D3F9C-6C8B-4478-88C1-06324AB913E6}" dt="2025-02-06T17:46:57.144" v="74" actId="47"/>
         <pc:sldMkLst>
           <pc:docMk/>
           <pc:sldMk cId="2965408220" sldId="280"/>
@@ -364,22 +348,6 @@
           <pc:docMk/>
           <pc:sldMk cId="1483565277" sldId="281"/>
         </pc:sldMkLst>
-        <pc:spChg chg="del">
-          <ac:chgData name="JHEYSON FABIAN VILLAVISAN BUITRAGO" userId="e5ced5c2-d787-455d-b115-4f08a699b8c8" providerId="ADAL" clId="{D38D3F9C-6C8B-4478-88C1-06324AB913E6}" dt="2025-02-04T16:23:25.132" v="8" actId="478"/>
-          <ac:spMkLst>
-            <pc:docMk/>
-            <pc:sldMk cId="1483565277" sldId="281"/>
-            <ac:spMk id="2" creationId="{38B9E9CE-04E3-DE93-A00D-DDBB5875BE46}"/>
-          </ac:spMkLst>
-        </pc:spChg>
-        <pc:spChg chg="del">
-          <ac:chgData name="JHEYSON FABIAN VILLAVISAN BUITRAGO" userId="e5ced5c2-d787-455d-b115-4f08a699b8c8" providerId="ADAL" clId="{D38D3F9C-6C8B-4478-88C1-06324AB913E6}" dt="2025-02-04T16:23:26.384" v="9" actId="478"/>
-          <ac:spMkLst>
-            <pc:docMk/>
-            <pc:sldMk cId="1483565277" sldId="281"/>
-            <ac:spMk id="4" creationId="{AB8B8B08-E850-1342-E835-3453EC0AD7C1}"/>
-          </ac:spMkLst>
-        </pc:spChg>
         <pc:spChg chg="mod">
           <ac:chgData name="JHEYSON FABIAN VILLAVISAN BUITRAGO" userId="e5ced5c2-d787-455d-b115-4f08a699b8c8" providerId="ADAL" clId="{D38D3F9C-6C8B-4478-88C1-06324AB913E6}" dt="2025-02-04T16:23:20.615" v="7"/>
           <ac:spMkLst>
@@ -395,6 +363,21 @@
           <pc:docMk/>
           <pc:sldMk cId="0" sldId="282"/>
         </pc:sldMkLst>
+      </pc:sldChg>
+      <pc:sldChg chg="modSp add mod">
+        <pc:chgData name="JHEYSON FABIAN VILLAVISAN BUITRAGO" userId="e5ced5c2-d787-455d-b115-4f08a699b8c8" providerId="ADAL" clId="{D38D3F9C-6C8B-4478-88C1-06324AB913E6}" dt="2025-02-06T17:47:00.478" v="75" actId="20577"/>
+        <pc:sldMkLst>
+          <pc:docMk/>
+          <pc:sldMk cId="1238747741" sldId="283"/>
+        </pc:sldMkLst>
+        <pc:spChg chg="mod">
+          <ac:chgData name="JHEYSON FABIAN VILLAVISAN BUITRAGO" userId="e5ced5c2-d787-455d-b115-4f08a699b8c8" providerId="ADAL" clId="{D38D3F9C-6C8B-4478-88C1-06324AB913E6}" dt="2025-02-06T17:47:00.478" v="75" actId="20577"/>
+          <ac:spMkLst>
+            <pc:docMk/>
+            <pc:sldMk cId="1238747741" sldId="283"/>
+            <ac:spMk id="11266" creationId="{74AD047A-E86C-4E92-874D-BAA043AB0B46}"/>
+          </ac:spMkLst>
+        </pc:spChg>
       </pc:sldChg>
       <pc:sldChg chg="add del">
         <pc:chgData name="JHEYSON FABIAN VILLAVISAN BUITRAGO" userId="e5ced5c2-d787-455d-b115-4f08a699b8c8" providerId="ADAL" clId="{D38D3F9C-6C8B-4478-88C1-06324AB913E6}" dt="2025-02-05T17:54:41.683" v="71" actId="47"/>
@@ -1152,7 +1135,7 @@
               <a:pPr>
                 <a:defRPr/>
               </a:pPr>
-              <a:t>5/02/2025</a:t>
+              <a:t>6/02/2025</a:t>
             </a:fld>
             <a:endParaRPr lang="es-CO"/>
           </a:p>
@@ -1395,7 +1378,7 @@
               <a:pPr>
                 <a:defRPr/>
               </a:pPr>
-              <a:t>5/02/2025</a:t>
+              <a:t>6/02/2025</a:t>
             </a:fld>
             <a:endParaRPr lang="es-CO"/>
           </a:p>
@@ -3065,7 +3048,7 @@
           <a:p>
             <a:fld id="{9CF7635E-2D71-42E7-9E6C-FBB85A15A85F}" type="datetimeFigureOut">
               <a:rPr lang="es-CO" smtClean="0"/>
-              <a:t>5/02/2025</a:t>
+              <a:t>6/02/2025</a:t>
             </a:fld>
             <a:endParaRPr lang="es-CO"/>
           </a:p>
@@ -3331,7 +3314,7 @@
           <a:p>
             <a:fld id="{9CF7635E-2D71-42E7-9E6C-FBB85A15A85F}" type="datetimeFigureOut">
               <a:rPr lang="es-CO" smtClean="0"/>
-              <a:t>5/02/2025</a:t>
+              <a:t>6/02/2025</a:t>
             </a:fld>
             <a:endParaRPr lang="es-CO"/>
           </a:p>
@@ -3547,7 +3530,7 @@
           <a:p>
             <a:fld id="{9CF7635E-2D71-42E7-9E6C-FBB85A15A85F}" type="datetimeFigureOut">
               <a:rPr lang="es-CO" smtClean="0"/>
-              <a:t>5/02/2025</a:t>
+              <a:t>6/02/2025</a:t>
             </a:fld>
             <a:endParaRPr lang="es-CO"/>
           </a:p>
@@ -5176,7 +5159,7 @@
           <a:p>
             <a:fld id="{9CF7635E-2D71-42E7-9E6C-FBB85A15A85F}" type="datetimeFigureOut">
               <a:rPr lang="es-CO" smtClean="0"/>
-              <a:t>5/02/2025</a:t>
+              <a:t>6/02/2025</a:t>
             </a:fld>
             <a:endParaRPr lang="es-CO"/>
           </a:p>
@@ -5623,7 +5606,7 @@
           <a:p>
             <a:fld id="{9CF7635E-2D71-42E7-9E6C-FBB85A15A85F}" type="datetimeFigureOut">
               <a:rPr lang="es-CO" smtClean="0"/>
-              <a:t>5/02/2025</a:t>
+              <a:t>6/02/2025</a:t>
             </a:fld>
             <a:endParaRPr lang="es-CO"/>
           </a:p>
@@ -5897,7 +5880,7 @@
           <a:p>
             <a:fld id="{9CF7635E-2D71-42E7-9E6C-FBB85A15A85F}" type="datetimeFigureOut">
               <a:rPr lang="es-CO" smtClean="0"/>
-              <a:t>5/02/2025</a:t>
+              <a:t>6/02/2025</a:t>
             </a:fld>
             <a:endParaRPr lang="es-CO"/>
           </a:p>
@@ -6318,7 +6301,7 @@
           <a:p>
             <a:fld id="{9CF7635E-2D71-42E7-9E6C-FBB85A15A85F}" type="datetimeFigureOut">
               <a:rPr lang="es-CO" smtClean="0"/>
-              <a:t>5/02/2025</a:t>
+              <a:t>6/02/2025</a:t>
             </a:fld>
             <a:endParaRPr lang="es-CO"/>
           </a:p>
@@ -6466,7 +6449,7 @@
           <a:p>
             <a:fld id="{9CF7635E-2D71-42E7-9E6C-FBB85A15A85F}" type="datetimeFigureOut">
               <a:rPr lang="es-CO" smtClean="0"/>
-              <a:t>5/02/2025</a:t>
+              <a:t>6/02/2025</a:t>
             </a:fld>
             <a:endParaRPr lang="es-CO"/>
           </a:p>
@@ -6585,7 +6568,7 @@
           <a:p>
             <a:fld id="{9CF7635E-2D71-42E7-9E6C-FBB85A15A85F}" type="datetimeFigureOut">
               <a:rPr lang="es-CO" smtClean="0"/>
-              <a:t>5/02/2025</a:t>
+              <a:t>6/02/2025</a:t>
             </a:fld>
             <a:endParaRPr lang="es-CO"/>
           </a:p>
@@ -6904,7 +6887,7 @@
           <a:p>
             <a:fld id="{9CF7635E-2D71-42E7-9E6C-FBB85A15A85F}" type="datetimeFigureOut">
               <a:rPr lang="es-CO" smtClean="0"/>
-              <a:t>5/02/2025</a:t>
+              <a:t>6/02/2025</a:t>
             </a:fld>
             <a:endParaRPr lang="es-CO"/>
           </a:p>
@@ -7199,7 +7182,7 @@
           <a:p>
             <a:fld id="{9CF7635E-2D71-42E7-9E6C-FBB85A15A85F}" type="datetimeFigureOut">
               <a:rPr lang="es-CO" smtClean="0"/>
-              <a:t>5/02/2025</a:t>
+              <a:t>6/02/2025</a:t>
             </a:fld>
             <a:endParaRPr lang="es-CO"/>
           </a:p>
@@ -7448,7 +7431,7 @@
           <a:p>
             <a:fld id="{9CF7635E-2D71-42E7-9E6C-FBB85A15A85F}" type="datetimeFigureOut">
               <a:rPr lang="es-CO" smtClean="0"/>
-              <a:t>5/02/2025</a:t>
+              <a:t>6/02/2025</a:t>
             </a:fld>
             <a:endParaRPr lang="es-CO"/>
           </a:p>
@@ -9078,7 +9061,7 @@
         </p:nvGraphicFramePr>
         <p:xfrm>
           <a:off x="863588" y="620688"/>
-          <a:ext cx="7416824" cy="5483937"/>
+          <a:ext cx="7416824" cy="5636337"/>
         </p:xfrm>
         <a:graphic>
           <a:graphicData uri="http://schemas.openxmlformats.org/drawingml/2006/table">
@@ -9925,8 +9908,56 @@
                             <a:srgbClr val="00FFFF"/>
                           </a:highlight>
                         </a:rPr>
-                        <a:t>GPIO y sistemas Lógico - combinacionales</a:t>
+                        <a:t>GPIO y sistemas Lógico – combinacionales</a:t>
                       </a:r>
+                    </a:p>
+                    <a:p>
+                      <a:pPr marL="0" marR="0" lvl="0" indent="0" algn="ctr" defTabSz="685800" rtl="0" eaLnBrk="1" fontAlgn="auto" latinLnBrk="0" hangingPunct="1">
+                        <a:lnSpc>
+                          <a:spcPct val="100000"/>
+                        </a:lnSpc>
+                        <a:spcBef>
+                          <a:spcPts val="0"/>
+                        </a:spcBef>
+                        <a:spcAft>
+                          <a:spcPts val="0"/>
+                        </a:spcAft>
+                        <a:buClrTx/>
+                        <a:buSzTx/>
+                        <a:buFontTx/>
+                        <a:buNone/>
+                        <a:tabLst/>
+                        <a:defRPr/>
+                      </a:pPr>
+                      <a:r>
+                        <a:rPr lang="es-CO" sz="1000" dirty="0" err="1">
+                          <a:highlight>
+                            <a:srgbClr val="00FFFF"/>
+                          </a:highlight>
+                        </a:rPr>
+                        <a:t>Debouncer</a:t>
+                      </a:r>
+                      <a:r>
+                        <a:rPr lang="es-CO" sz="1000" dirty="0">
+                          <a:highlight>
+                            <a:srgbClr val="00FFFF"/>
+                          </a:highlight>
+                        </a:rPr>
+                        <a:t> y </a:t>
+                      </a:r>
+                      <a:r>
+                        <a:rPr lang="es-CO" sz="1000" dirty="0" err="1">
+                          <a:highlight>
+                            <a:srgbClr val="00FFFF"/>
+                          </a:highlight>
+                        </a:rPr>
+                        <a:t>Debugging</a:t>
+                      </a:r>
+                      <a:endParaRPr lang="es-CO" sz="1000" dirty="0">
+                        <a:highlight>
+                          <a:srgbClr val="00FFFF"/>
+                        </a:highlight>
+                      </a:endParaRPr>
                     </a:p>
                   </a:txBody>
                   <a:tcPr>
@@ -10413,7 +10444,7 @@
                       <a:pPr algn="ctr"/>
                       <a:r>
                         <a:rPr lang="es-ES" sz="1000" dirty="0"/>
-                        <a:t>Interrupciones Internas y Externas</a:t>
+                        <a:t>Interrupciones Internas y EEPROM</a:t>
                       </a:r>
                     </a:p>
                   </a:txBody>
@@ -10760,7 +10791,7 @@
                       <a:pPr algn="ctr"/>
                       <a:r>
                         <a:rPr lang="es-ES" sz="1000" dirty="0"/>
-                        <a:t>PWM</a:t>
+                        <a:t>PWM </a:t>
                       </a:r>
                     </a:p>
                   </a:txBody>
@@ -10937,7 +10968,7 @@
                       </a:pPr>
                       <a:r>
                         <a:rPr lang="es-ES" sz="1000" dirty="0"/>
-                        <a:t>Conversores ADC y DAC</a:t>
+                        <a:t>Conversores ADC y DAC - DMA</a:t>
                       </a:r>
                     </a:p>
                   </a:txBody>
@@ -11496,8 +11527,13 @@
                       </a:pPr>
                       <a:r>
                         <a:rPr lang="es-CO" sz="1000" dirty="0"/>
-                        <a:t>Comunicaciones RS232</a:t>
+                        <a:t>Comunicaciones </a:t>
                       </a:r>
+                      <a:r>
+                        <a:rPr lang="es-CO" sz="1000"/>
+                        <a:t>RS232 – SPI – MEMORIAS EXTERNAS</a:t>
+                      </a:r>
+                      <a:endParaRPr lang="es-CO" sz="1000" dirty="0"/>
                     </a:p>
                   </a:txBody>
                   <a:tcPr>
@@ -11692,7 +11728,7 @@
                       </a:pPr>
                       <a:r>
                         <a:rPr lang="es-CO" sz="1000" dirty="0"/>
-                        <a:t>Comunicaciones I2C </a:t>
+                        <a:t>Comunicaciones I2C  </a:t>
                       </a:r>
                     </a:p>
                   </a:txBody>
@@ -12503,8 +12539,8 @@
         </p:nvSpPr>
         <p:spPr>
           <a:xfrm>
-            <a:off x="611560" y="5926708"/>
-            <a:ext cx="8064896" cy="523220"/>
+            <a:off x="415831" y="6228844"/>
+            <a:ext cx="8064896" cy="738664"/>
           </a:xfrm>
           <a:prstGeom prst="rect">
             <a:avLst/>
@@ -12633,7 +12669,23 @@
                   <a:srgbClr val="00FFFF"/>
                 </a:highlight>
               </a:rPr>
-              <a:t> 5LP</a:t>
+              <a:t> 5LP (Se requieren materiales como leds </a:t>
+            </a:r>
+            <a:r>
+              <a:rPr lang="es-CO" sz="1400" dirty="0" err="1">
+                <a:highlight>
+                  <a:srgbClr val="00FFFF"/>
+                </a:highlight>
+              </a:rPr>
+              <a:t>etc</a:t>
+            </a:r>
+            <a:r>
+              <a:rPr lang="es-CO" sz="1400" dirty="0">
+                <a:highlight>
+                  <a:srgbClr val="00FFFF"/>
+                </a:highlight>
+              </a:rPr>
+              <a:t>)</a:t>
             </a:r>
           </a:p>
           <a:p>
@@ -12678,12 +12730,19 @@
               <a:t> 2</a:t>
             </a:r>
           </a:p>
+          <a:p>
+            <a:endParaRPr lang="es-CO" sz="1400" dirty="0">
+              <a:highlight>
+                <a:srgbClr val="FF00FF"/>
+              </a:highlight>
+            </a:endParaRPr>
+          </a:p>
         </p:txBody>
       </p:sp>
     </p:spTree>
     <p:extLst>
       <p:ext uri="{BB962C8B-B14F-4D97-AF65-F5344CB8AC3E}">
-        <p14:creationId xmlns:p14="http://schemas.microsoft.com/office/powerpoint/2010/main" val="2965408220"/>
+        <p14:creationId xmlns:p14="http://schemas.microsoft.com/office/powerpoint/2010/main" val="1238747741"/>
       </p:ext>
     </p:extLst>
   </p:cSld>
@@ -15052,11 +15111,12 @@
 </file>
 
 <file path=customXml/item1.xml><?xml version="1.0" encoding="utf-8"?>
-<p:properties xmlns:p="http://schemas.microsoft.com/office/2006/metadata/properties" xmlns:xsi="http://www.w3.org/2001/XMLSchema-instance" xmlns:pc="http://schemas.microsoft.com/office/infopath/2007/PartnerControls">
-  <documentManagement>
-    <_activity xmlns="bdc56f61-abc0-4f7e-bfec-a93ccd1ae886" xsi:nil="true"/>
-  </documentManagement>
-</p:properties>
+<?mso-contentType ?>
+<FormTemplates xmlns="http://schemas.microsoft.com/sharepoint/v3/contenttype/forms">
+  <Display>DocumentLibraryForm</Display>
+  <Edit>DocumentLibraryForm</Edit>
+  <New>DocumentLibraryForm</New>
+</FormTemplates>
 </file>
 
 <file path=customXml/item2.xml><?xml version="1.0" encoding="utf-8"?>
@@ -15295,27 +15355,17 @@
 </file>
 
 <file path=customXml/item3.xml><?xml version="1.0" encoding="utf-8"?>
-<?mso-contentType ?>
-<FormTemplates xmlns="http://schemas.microsoft.com/sharepoint/v3/contenttype/forms">
-  <Display>DocumentLibraryForm</Display>
-  <Edit>DocumentLibraryForm</Edit>
-  <New>DocumentLibraryForm</New>
-</FormTemplates>
+<p:properties xmlns:p="http://schemas.microsoft.com/office/2006/metadata/properties" xmlns:xsi="http://www.w3.org/2001/XMLSchema-instance" xmlns:pc="http://schemas.microsoft.com/office/infopath/2007/PartnerControls">
+  <documentManagement>
+    <_activity xmlns="bdc56f61-abc0-4f7e-bfec-a93ccd1ae886" xsi:nil="true"/>
+  </documentManagement>
+</p:properties>
 </file>
 
 <file path=customXml/itemProps1.xml><?xml version="1.0" encoding="utf-8"?>
-<ds:datastoreItem xmlns:ds="http://schemas.openxmlformats.org/officeDocument/2006/customXml" ds:itemID="{0825853C-1B27-4995-A583-4D39F900BB7F}">
+<ds:datastoreItem xmlns:ds="http://schemas.openxmlformats.org/officeDocument/2006/customXml" ds:itemID="{4E8623C8-32E1-48B0-9F0A-13F2E9582B7E}">
   <ds:schemaRefs>
-    <ds:schemaRef ds:uri="http://schemas.microsoft.com/office/2006/documentManagement/types"/>
-    <ds:schemaRef ds:uri="http://purl.org/dc/dcmitype/"/>
-    <ds:schemaRef ds:uri="http://schemas.openxmlformats.org/package/2006/metadata/core-properties"/>
-    <ds:schemaRef ds:uri="669280c1-d17e-4d1d-bd7f-b4f14cc6bf1d"/>
-    <ds:schemaRef ds:uri="http://purl.org/dc/elements/1.1/"/>
-    <ds:schemaRef ds:uri="http://purl.org/dc/terms/"/>
-    <ds:schemaRef ds:uri="http://schemas.microsoft.com/office/infopath/2007/PartnerControls"/>
-    <ds:schemaRef ds:uri="bdc56f61-abc0-4f7e-bfec-a93ccd1ae886"/>
-    <ds:schemaRef ds:uri="http://schemas.microsoft.com/office/2006/metadata/properties"/>
-    <ds:schemaRef ds:uri="http://www.w3.org/XML/1998/namespace"/>
+    <ds:schemaRef ds:uri="http://schemas.microsoft.com/sharepoint/v3/contenttype/forms"/>
   </ds:schemaRefs>
 </ds:datastoreItem>
 </file>
@@ -15340,9 +15390,18 @@
 </file>
 
 <file path=customXml/itemProps3.xml><?xml version="1.0" encoding="utf-8"?>
-<ds:datastoreItem xmlns:ds="http://schemas.openxmlformats.org/officeDocument/2006/customXml" ds:itemID="{4E8623C8-32E1-48B0-9F0A-13F2E9582B7E}">
+<ds:datastoreItem xmlns:ds="http://schemas.openxmlformats.org/officeDocument/2006/customXml" ds:itemID="{0825853C-1B27-4995-A583-4D39F900BB7F}">
   <ds:schemaRefs>
-    <ds:schemaRef ds:uri="http://schemas.microsoft.com/sharepoint/v3/contenttype/forms"/>
+    <ds:schemaRef ds:uri="http://schemas.microsoft.com/office/2006/documentManagement/types"/>
+    <ds:schemaRef ds:uri="http://purl.org/dc/dcmitype/"/>
+    <ds:schemaRef ds:uri="http://schemas.openxmlformats.org/package/2006/metadata/core-properties"/>
+    <ds:schemaRef ds:uri="669280c1-d17e-4d1d-bd7f-b4f14cc6bf1d"/>
+    <ds:schemaRef ds:uri="http://purl.org/dc/elements/1.1/"/>
+    <ds:schemaRef ds:uri="http://purl.org/dc/terms/"/>
+    <ds:schemaRef ds:uri="http://schemas.microsoft.com/office/infopath/2007/PartnerControls"/>
+    <ds:schemaRef ds:uri="bdc56f61-abc0-4f7e-bfec-a93ccd1ae886"/>
+    <ds:schemaRef ds:uri="http://schemas.microsoft.com/office/2006/metadata/properties"/>
+    <ds:schemaRef ds:uri="http://www.w3.org/XML/1998/namespace"/>
   </ds:schemaRefs>
 </ds:datastoreItem>
 </file>